--- a/EME+/EME+.pptx
+++ b/EME+/EME+.pptx
@@ -104,6 +104,11 @@
       </a:defRPr>
     </a:lvl9pPr>
   </p:defaultTextStyle>
+  <p:extLst>
+    <p:ext uri="{EFAFB233-063F-42B5-8137-9DF3F51BA10A}">
+      <p15:sldGuideLst xmlns:p15="http://schemas.microsoft.com/office/powerpoint/2012/main"/>
+    </p:ext>
+  </p:extLst>
 </p:presentation>
 </file>
 
@@ -238,7 +243,7 @@
           <a:p>
             <a:fld id="{9CB6F7C4-AD64-4671-948E-5D20A1C484C6}" type="datetimeFigureOut">
               <a:rPr lang="pt-PT" smtClean="0"/>
-              <a:t>16/07/2024</a:t>
+              <a:t>18/07/2024</a:t>
             </a:fld>
             <a:endParaRPr lang="pt-PT"/>
           </a:p>
@@ -408,7 +413,7 @@
           <a:p>
             <a:fld id="{9CB6F7C4-AD64-4671-948E-5D20A1C484C6}" type="datetimeFigureOut">
               <a:rPr lang="pt-PT" smtClean="0"/>
-              <a:t>16/07/2024</a:t>
+              <a:t>18/07/2024</a:t>
             </a:fld>
             <a:endParaRPr lang="pt-PT"/>
           </a:p>
@@ -588,7 +593,7 @@
           <a:p>
             <a:fld id="{9CB6F7C4-AD64-4671-948E-5D20A1C484C6}" type="datetimeFigureOut">
               <a:rPr lang="pt-PT" smtClean="0"/>
-              <a:t>16/07/2024</a:t>
+              <a:t>18/07/2024</a:t>
             </a:fld>
             <a:endParaRPr lang="pt-PT"/>
           </a:p>
@@ -758,7 +763,7 @@
           <a:p>
             <a:fld id="{9CB6F7C4-AD64-4671-948E-5D20A1C484C6}" type="datetimeFigureOut">
               <a:rPr lang="pt-PT" smtClean="0"/>
-              <a:t>16/07/2024</a:t>
+              <a:t>18/07/2024</a:t>
             </a:fld>
             <a:endParaRPr lang="pt-PT"/>
           </a:p>
@@ -1004,7 +1009,7 @@
           <a:p>
             <a:fld id="{9CB6F7C4-AD64-4671-948E-5D20A1C484C6}" type="datetimeFigureOut">
               <a:rPr lang="pt-PT" smtClean="0"/>
-              <a:t>16/07/2024</a:t>
+              <a:t>18/07/2024</a:t>
             </a:fld>
             <a:endParaRPr lang="pt-PT"/>
           </a:p>
@@ -1236,7 +1241,7 @@
           <a:p>
             <a:fld id="{9CB6F7C4-AD64-4671-948E-5D20A1C484C6}" type="datetimeFigureOut">
               <a:rPr lang="pt-PT" smtClean="0"/>
-              <a:t>16/07/2024</a:t>
+              <a:t>18/07/2024</a:t>
             </a:fld>
             <a:endParaRPr lang="pt-PT"/>
           </a:p>
@@ -1603,7 +1608,7 @@
           <a:p>
             <a:fld id="{9CB6F7C4-AD64-4671-948E-5D20A1C484C6}" type="datetimeFigureOut">
               <a:rPr lang="pt-PT" smtClean="0"/>
-              <a:t>16/07/2024</a:t>
+              <a:t>18/07/2024</a:t>
             </a:fld>
             <a:endParaRPr lang="pt-PT"/>
           </a:p>
@@ -1721,7 +1726,7 @@
           <a:p>
             <a:fld id="{9CB6F7C4-AD64-4671-948E-5D20A1C484C6}" type="datetimeFigureOut">
               <a:rPr lang="pt-PT" smtClean="0"/>
-              <a:t>16/07/2024</a:t>
+              <a:t>18/07/2024</a:t>
             </a:fld>
             <a:endParaRPr lang="pt-PT"/>
           </a:p>
@@ -1816,7 +1821,7 @@
           <a:p>
             <a:fld id="{9CB6F7C4-AD64-4671-948E-5D20A1C484C6}" type="datetimeFigureOut">
               <a:rPr lang="pt-PT" smtClean="0"/>
-              <a:t>16/07/2024</a:t>
+              <a:t>18/07/2024</a:t>
             </a:fld>
             <a:endParaRPr lang="pt-PT"/>
           </a:p>
@@ -2093,7 +2098,7 @@
           <a:p>
             <a:fld id="{9CB6F7C4-AD64-4671-948E-5D20A1C484C6}" type="datetimeFigureOut">
               <a:rPr lang="pt-PT" smtClean="0"/>
-              <a:t>16/07/2024</a:t>
+              <a:t>18/07/2024</a:t>
             </a:fld>
             <a:endParaRPr lang="pt-PT"/>
           </a:p>
@@ -2350,7 +2355,7 @@
           <a:p>
             <a:fld id="{9CB6F7C4-AD64-4671-948E-5D20A1C484C6}" type="datetimeFigureOut">
               <a:rPr lang="pt-PT" smtClean="0"/>
-              <a:t>16/07/2024</a:t>
+              <a:t>18/07/2024</a:t>
             </a:fld>
             <a:endParaRPr lang="pt-PT"/>
           </a:p>
@@ -2563,7 +2568,7 @@
           <a:p>
             <a:fld id="{9CB6F7C4-AD64-4671-948E-5D20A1C484C6}" type="datetimeFigureOut">
               <a:rPr lang="pt-PT" smtClean="0"/>
-              <a:t>16/07/2024</a:t>
+              <a:t>18/07/2024</a:t>
             </a:fld>
             <a:endParaRPr lang="pt-PT"/>
           </a:p>

--- a/EME+/EME+.pptx
+++ b/EME+/EME+.pptx
@@ -112,6 +112,114 @@
 </p:presentation>
 </file>
 
+<file path=ppt/ink/ink1.xml><?xml version="1.0" encoding="utf-8"?>
+<inkml:ink xmlns:inkml="http://www.w3.org/2003/InkML">
+  <inkml:definitions>
+    <inkml:context xml:id="ctx0">
+      <inkml:inkSource xml:id="inkSrc0">
+        <inkml:traceFormat>
+          <inkml:channel name="X" type="integer" min="-2.14748E9" max="2.14748E9" units="cm"/>
+          <inkml:channel name="Y" type="integer" min="-2.14748E9" max="2.14748E9" units="cm"/>
+        </inkml:traceFormat>
+        <inkml:channelProperties>
+          <inkml:channelProperty channel="X" name="resolution" value="1000" units="1/cm"/>
+          <inkml:channelProperty channel="Y" name="resolution" value="1000" units="1/cm"/>
+        </inkml:channelProperties>
+      </inkml:inkSource>
+      <inkml:timestamp xml:id="ts0" timeString="2024-07-29T09:35:23.128"/>
+    </inkml:context>
+    <inkml:brush xml:id="br0">
+      <inkml:brushProperty name="width" value="0.035" units="cm"/>
+      <inkml:brushProperty name="height" value="0.035" units="cm"/>
+      <inkml:brushProperty name="color" value="#E71224"/>
+      <inkml:brushProperty name="ignorePressure" value="1"/>
+    </inkml:brush>
+  </inkml:definitions>
+  <inkml:trace contextRef="#ctx0" brushRef="#br0">1 0,'3692'1344,"-3687"-1342</inkml:trace>
+</inkml:ink>
+</file>
+
+<file path=ppt/ink/ink2.xml><?xml version="1.0" encoding="utf-8"?>
+<inkml:ink xmlns:inkml="http://www.w3.org/2003/InkML">
+  <inkml:definitions>
+    <inkml:context xml:id="ctx0">
+      <inkml:inkSource xml:id="inkSrc0">
+        <inkml:traceFormat>
+          <inkml:channel name="X" type="integer" min="-2.14748E9" max="2.14748E9" units="cm"/>
+          <inkml:channel name="Y" type="integer" min="-2.14748E9" max="2.14748E9" units="cm"/>
+        </inkml:traceFormat>
+        <inkml:channelProperties>
+          <inkml:channelProperty channel="X" name="resolution" value="1000" units="1/cm"/>
+          <inkml:channelProperty channel="Y" name="resolution" value="1000" units="1/cm"/>
+        </inkml:channelProperties>
+      </inkml:inkSource>
+      <inkml:timestamp xml:id="ts0" timeString="2024-07-29T09:32:24.286"/>
+    </inkml:context>
+    <inkml:brush xml:id="br0">
+      <inkml:brushProperty name="width" value="0.035" units="cm"/>
+      <inkml:brushProperty name="height" value="0.035" units="cm"/>
+      <inkml:brushProperty name="color" value="#E71224"/>
+      <inkml:brushProperty name="ignorePressure" value="1"/>
+    </inkml:brush>
+  </inkml:definitions>
+  <inkml:trace contextRef="#ctx0" brushRef="#br0">0 244,'1142'-243,"-1145"244</inkml:trace>
+</inkml:ink>
+</file>
+
+<file path=ppt/ink/ink3.xml><?xml version="1.0" encoding="utf-8"?>
+<inkml:ink xmlns:inkml="http://www.w3.org/2003/InkML">
+  <inkml:definitions>
+    <inkml:context xml:id="ctx0">
+      <inkml:inkSource xml:id="inkSrc0">
+        <inkml:traceFormat>
+          <inkml:channel name="X" type="integer" min="-2.14748E9" max="2.14748E9" units="cm"/>
+          <inkml:channel name="Y" type="integer" min="-2.14748E9" max="2.14748E9" units="cm"/>
+        </inkml:traceFormat>
+        <inkml:channelProperties>
+          <inkml:channelProperty channel="X" name="resolution" value="1000" units="1/cm"/>
+          <inkml:channelProperty channel="Y" name="resolution" value="1000" units="1/cm"/>
+        </inkml:channelProperties>
+      </inkml:inkSource>
+      <inkml:timestamp xml:id="ts0" timeString="2024-07-29T09:33:04.841"/>
+    </inkml:context>
+    <inkml:brush xml:id="br0">
+      <inkml:brushProperty name="width" value="0.035" units="cm"/>
+      <inkml:brushProperty name="height" value="0.035" units="cm"/>
+      <inkml:brushProperty name="color" value="#E71224"/>
+      <inkml:brushProperty name="ignorePressure" value="1"/>
+    </inkml:brush>
+  </inkml:definitions>
+  <inkml:trace contextRef="#ctx0" brushRef="#br0">1 0,'2291'121,"-2286"-121</inkml:trace>
+</inkml:ink>
+</file>
+
+<file path=ppt/ink/ink4.xml><?xml version="1.0" encoding="utf-8"?>
+<inkml:ink xmlns:inkml="http://www.w3.org/2003/InkML">
+  <inkml:definitions>
+    <inkml:context xml:id="ctx0">
+      <inkml:inkSource xml:id="inkSrc0">
+        <inkml:traceFormat>
+          <inkml:channel name="X" type="integer" min="-2.14748E9" max="2.14748E9" units="cm"/>
+          <inkml:channel name="Y" type="integer" min="-2.14748E9" max="2.14748E9" units="cm"/>
+        </inkml:traceFormat>
+        <inkml:channelProperties>
+          <inkml:channelProperty channel="X" name="resolution" value="1000" units="1/cm"/>
+          <inkml:channelProperty channel="Y" name="resolution" value="1000" units="1/cm"/>
+        </inkml:channelProperties>
+      </inkml:inkSource>
+      <inkml:timestamp xml:id="ts0" timeString="2024-07-29T09:33:46.810"/>
+    </inkml:context>
+    <inkml:brush xml:id="br0">
+      <inkml:brushProperty name="width" value="0.035" units="cm"/>
+      <inkml:brushProperty name="height" value="0.035" units="cm"/>
+      <inkml:brushProperty name="color" value="#E71224"/>
+      <inkml:brushProperty name="ignorePressure" value="1"/>
+    </inkml:brush>
+  </inkml:definitions>
+  <inkml:trace contextRef="#ctx0" brushRef="#br0">1 1,'2037'864,"-2032"-862</inkml:trace>
+</inkml:ink>
+</file>
+
 <file path=ppt/slideLayouts/slideLayout1.xml><?xml version="1.0" encoding="utf-8"?>
 <p:sldLayout xmlns:a="http://schemas.openxmlformats.org/drawingml/2006/main" xmlns:r="http://schemas.openxmlformats.org/officeDocument/2006/relationships" xmlns:p="http://schemas.openxmlformats.org/presentationml/2006/main" type="title" preserve="1">
   <p:cSld name="Diapositivo de Título">
@@ -243,7 +351,7 @@
           <a:p>
             <a:fld id="{9CB6F7C4-AD64-4671-948E-5D20A1C484C6}" type="datetimeFigureOut">
               <a:rPr lang="pt-PT" smtClean="0"/>
-              <a:t>18/07/2024</a:t>
+              <a:t>29/07/2024</a:t>
             </a:fld>
             <a:endParaRPr lang="pt-PT"/>
           </a:p>
@@ -413,7 +521,7 @@
           <a:p>
             <a:fld id="{9CB6F7C4-AD64-4671-948E-5D20A1C484C6}" type="datetimeFigureOut">
               <a:rPr lang="pt-PT" smtClean="0"/>
-              <a:t>18/07/2024</a:t>
+              <a:t>29/07/2024</a:t>
             </a:fld>
             <a:endParaRPr lang="pt-PT"/>
           </a:p>
@@ -593,7 +701,7 @@
           <a:p>
             <a:fld id="{9CB6F7C4-AD64-4671-948E-5D20A1C484C6}" type="datetimeFigureOut">
               <a:rPr lang="pt-PT" smtClean="0"/>
-              <a:t>18/07/2024</a:t>
+              <a:t>29/07/2024</a:t>
             </a:fld>
             <a:endParaRPr lang="pt-PT"/>
           </a:p>
@@ -763,7 +871,7 @@
           <a:p>
             <a:fld id="{9CB6F7C4-AD64-4671-948E-5D20A1C484C6}" type="datetimeFigureOut">
               <a:rPr lang="pt-PT" smtClean="0"/>
-              <a:t>18/07/2024</a:t>
+              <a:t>29/07/2024</a:t>
             </a:fld>
             <a:endParaRPr lang="pt-PT"/>
           </a:p>
@@ -1009,7 +1117,7 @@
           <a:p>
             <a:fld id="{9CB6F7C4-AD64-4671-948E-5D20A1C484C6}" type="datetimeFigureOut">
               <a:rPr lang="pt-PT" smtClean="0"/>
-              <a:t>18/07/2024</a:t>
+              <a:t>29/07/2024</a:t>
             </a:fld>
             <a:endParaRPr lang="pt-PT"/>
           </a:p>
@@ -1241,7 +1349,7 @@
           <a:p>
             <a:fld id="{9CB6F7C4-AD64-4671-948E-5D20A1C484C6}" type="datetimeFigureOut">
               <a:rPr lang="pt-PT" smtClean="0"/>
-              <a:t>18/07/2024</a:t>
+              <a:t>29/07/2024</a:t>
             </a:fld>
             <a:endParaRPr lang="pt-PT"/>
           </a:p>
@@ -1608,7 +1716,7 @@
           <a:p>
             <a:fld id="{9CB6F7C4-AD64-4671-948E-5D20A1C484C6}" type="datetimeFigureOut">
               <a:rPr lang="pt-PT" smtClean="0"/>
-              <a:t>18/07/2024</a:t>
+              <a:t>29/07/2024</a:t>
             </a:fld>
             <a:endParaRPr lang="pt-PT"/>
           </a:p>
@@ -1726,7 +1834,7 @@
           <a:p>
             <a:fld id="{9CB6F7C4-AD64-4671-948E-5D20A1C484C6}" type="datetimeFigureOut">
               <a:rPr lang="pt-PT" smtClean="0"/>
-              <a:t>18/07/2024</a:t>
+              <a:t>29/07/2024</a:t>
             </a:fld>
             <a:endParaRPr lang="pt-PT"/>
           </a:p>
@@ -1821,7 +1929,7 @@
           <a:p>
             <a:fld id="{9CB6F7C4-AD64-4671-948E-5D20A1C484C6}" type="datetimeFigureOut">
               <a:rPr lang="pt-PT" smtClean="0"/>
-              <a:t>18/07/2024</a:t>
+              <a:t>29/07/2024</a:t>
             </a:fld>
             <a:endParaRPr lang="pt-PT"/>
           </a:p>
@@ -2098,7 +2206,7 @@
           <a:p>
             <a:fld id="{9CB6F7C4-AD64-4671-948E-5D20A1C484C6}" type="datetimeFigureOut">
               <a:rPr lang="pt-PT" smtClean="0"/>
-              <a:t>18/07/2024</a:t>
+              <a:t>29/07/2024</a:t>
             </a:fld>
             <a:endParaRPr lang="pt-PT"/>
           </a:p>
@@ -2355,7 +2463,7 @@
           <a:p>
             <a:fld id="{9CB6F7C4-AD64-4671-948E-5D20A1C484C6}" type="datetimeFigureOut">
               <a:rPr lang="pt-PT" smtClean="0"/>
-              <a:t>18/07/2024</a:t>
+              <a:t>29/07/2024</a:t>
             </a:fld>
             <a:endParaRPr lang="pt-PT"/>
           </a:p>
@@ -2568,7 +2676,7 @@
           <a:p>
             <a:fld id="{9CB6F7C4-AD64-4671-948E-5D20A1C484C6}" type="datetimeFigureOut">
               <a:rPr lang="pt-PT" smtClean="0"/>
-              <a:t>18/07/2024</a:t>
+              <a:t>29/07/2024</a:t>
             </a:fld>
             <a:endParaRPr lang="pt-PT"/>
           </a:p>
@@ -3009,42 +3117,57 @@
           </a:prstGeom>
         </p:spPr>
       </p:pic>
-      <p:pic>
-        <p:nvPicPr>
-          <p:cNvPr id="17" name="Imagem 16" descr="Uma imagem com Tipo de letra, file, captura de ecrã, texto&#10;&#10;Descrição gerada automaticamente">
-            <a:extLst>
-              <a:ext uri="{FF2B5EF4-FFF2-40B4-BE49-F238E27FC236}">
-                <a16:creationId xmlns:a16="http://schemas.microsoft.com/office/drawing/2014/main" id="{15630099-76B4-3F67-584D-80958577ECB5}"/>
-              </a:ext>
-            </a:extLst>
-          </p:cNvPr>
-          <p:cNvPicPr>
-            <a:picLocks noChangeAspect="1"/>
-          </p:cNvPicPr>
-          <p:nvPr/>
-        </p:nvPicPr>
-        <p:blipFill>
-          <a:blip r:embed="rId3">
-            <a:extLst>
-              <a:ext uri="{28A0092B-C50C-407E-A947-70E740481C1C}">
-                <a14:useLocalDpi xmlns:a14="http://schemas.microsoft.com/office/drawing/2010/main" val="0"/>
-              </a:ext>
-            </a:extLst>
-          </a:blip>
-          <a:stretch>
-            <a:fillRect/>
-          </a:stretch>
-        </p:blipFill>
-        <p:spPr>
-          <a:xfrm>
-            <a:off x="32804020" y="8380095"/>
-            <a:ext cx="217805" cy="145203"/>
-          </a:xfrm>
-          <a:prstGeom prst="rect">
-            <a:avLst/>
-          </a:prstGeom>
-        </p:spPr>
-      </p:pic>
+      <mc:AlternateContent xmlns:mc="http://schemas.openxmlformats.org/markup-compatibility/2006">
+        <mc:Choice xmlns:p14="http://schemas.microsoft.com/office/powerpoint/2010/main" Requires="p14">
+          <p:contentPart p14:bwMode="auto" r:id="rId3">
+            <p14:nvContentPartPr>
+              <p14:cNvPr id="24" name="Tinta 23">
+                <a:extLst>
+                  <a:ext uri="{FF2B5EF4-FFF2-40B4-BE49-F238E27FC236}">
+                    <a16:creationId xmlns:a16="http://schemas.microsoft.com/office/drawing/2014/main" id="{615BB12F-32A9-E871-6859-B6E441A60999}"/>
+                  </a:ext>
+                </a:extLst>
+              </p14:cNvPr>
+              <p14:cNvContentPartPr/>
+              <p14:nvPr/>
+            </p14:nvContentPartPr>
+            <p14:xfrm>
+              <a:off x="33320021" y="8401024"/>
+              <a:ext cx="1331280" cy="484920"/>
+            </p14:xfrm>
+          </p:contentPart>
+        </mc:Choice>
+        <mc:Fallback>
+          <p:pic>
+            <p:nvPicPr>
+              <p:cNvPr id="24" name="Tinta 23">
+                <a:extLst>
+                  <a:ext uri="{FF2B5EF4-FFF2-40B4-BE49-F238E27FC236}">
+                    <a16:creationId xmlns:a16="http://schemas.microsoft.com/office/drawing/2014/main" id="{615BB12F-32A9-E871-6859-B6E441A60999}"/>
+                  </a:ext>
+                </a:extLst>
+              </p:cNvPr>
+              <p:cNvPicPr/>
+              <p:nvPr/>
+            </p:nvPicPr>
+            <p:blipFill>
+              <a:blip r:embed="rId4"/>
+              <a:stretch>
+                <a:fillRect/>
+              </a:stretch>
+            </p:blipFill>
+            <p:spPr>
+              <a:xfrm>
+                <a:off x="33313901" y="8394904"/>
+                <a:ext cx="1343520" cy="497160"/>
+              </a:xfrm>
+              <a:prstGeom prst="rect">
+                <a:avLst/>
+              </a:prstGeom>
+            </p:spPr>
+          </p:pic>
+        </mc:Fallback>
+      </mc:AlternateContent>
       <p:pic>
         <p:nvPicPr>
           <p:cNvPr id="19" name="Imagem 18" descr="Uma imagem com texto, Tipo de letra, file, captura de ecrã&#10;&#10;Descrição gerada automaticamente">
@@ -3060,7 +3183,7 @@
           <p:nvPr/>
         </p:nvPicPr>
         <p:blipFill>
-          <a:blip r:embed="rId4">
+          <a:blip r:embed="rId5">
             <a:alphaModFix amt="50000"/>
             <a:extLst>
               <a:ext uri="{28A0092B-C50C-407E-A947-70E740481C1C}">
@@ -3097,7 +3220,7 @@
           <p:nvPr/>
         </p:nvPicPr>
         <p:blipFill>
-          <a:blip r:embed="rId5">
+          <a:blip r:embed="rId6">
             <a:alphaModFix amt="50000"/>
             <a:extLst>
               <a:ext uri="{28A0092B-C50C-407E-A947-70E740481C1C}">
@@ -3134,7 +3257,7 @@
           <p:nvPr/>
         </p:nvPicPr>
         <p:blipFill>
-          <a:blip r:embed="rId6">
+          <a:blip r:embed="rId7">
             <a:extLst>
               <a:ext uri="{28A0092B-C50C-407E-A947-70E740481C1C}">
                 <a14:useLocalDpi xmlns:a14="http://schemas.microsoft.com/office/drawing/2010/main" val="0"/>
@@ -3170,7 +3293,7 @@
           <p:nvPr/>
         </p:nvPicPr>
         <p:blipFill>
-          <a:blip r:embed="rId7">
+          <a:blip r:embed="rId8">
             <a:alphaModFix amt="50000"/>
             <a:extLst>
               <a:ext uri="{28A0092B-C50C-407E-A947-70E740481C1C}">
@@ -3207,7 +3330,7 @@
           <p:nvPr/>
         </p:nvPicPr>
         <p:blipFill>
-          <a:blip r:embed="rId8">
+          <a:blip r:embed="rId9">
             <a:alphaModFix amt="50000"/>
             <a:extLst>
               <a:ext uri="{28A0092B-C50C-407E-A947-70E740481C1C}">
@@ -3244,7 +3367,7 @@
           <p:nvPr/>
         </p:nvPicPr>
         <p:blipFill>
-          <a:blip r:embed="rId9">
+          <a:blip r:embed="rId10">
             <a:alphaModFix amt="50000"/>
             <a:extLst>
               <a:ext uri="{28A0092B-C50C-407E-A947-70E740481C1C}">
@@ -3281,7 +3404,7 @@
           <p:nvPr/>
         </p:nvPicPr>
         <p:blipFill>
-          <a:blip r:embed="rId10">
+          <a:blip r:embed="rId11">
             <a:alphaModFix amt="50000"/>
             <a:extLst>
               <a:ext uri="{28A0092B-C50C-407E-A947-70E740481C1C}">
@@ -3318,7 +3441,7 @@
           <p:nvPr/>
         </p:nvPicPr>
         <p:blipFill>
-          <a:blip r:embed="rId11">
+          <a:blip r:embed="rId12">
             <a:extLst>
               <a:ext uri="{28A0092B-C50C-407E-A947-70E740481C1C}">
                 <a14:useLocalDpi xmlns:a14="http://schemas.microsoft.com/office/drawing/2010/main" val="0"/>
@@ -3354,7 +3477,7 @@
           <p:nvPr/>
         </p:nvPicPr>
         <p:blipFill>
-          <a:blip r:embed="rId12">
+          <a:blip r:embed="rId13">
             <a:extLst>
               <a:ext uri="{28A0092B-C50C-407E-A947-70E740481C1C}">
                 <a14:useLocalDpi xmlns:a14="http://schemas.microsoft.com/office/drawing/2010/main" val="0"/>
@@ -3367,7 +3490,7 @@
         </p:blipFill>
         <p:spPr>
           <a:xfrm>
-            <a:off x="34469070" y="8567107"/>
+            <a:off x="34493835" y="8557787"/>
             <a:ext cx="185147" cy="185147"/>
           </a:xfrm>
           <a:prstGeom prst="rect">
@@ -3390,7 +3513,7 @@
           <p:nvPr/>
         </p:nvPicPr>
         <p:blipFill>
-          <a:blip r:embed="rId12">
+          <a:blip r:embed="rId13">
             <a:extLst>
               <a:ext uri="{28A0092B-C50C-407E-A947-70E740481C1C}">
                 <a14:useLocalDpi xmlns:a14="http://schemas.microsoft.com/office/drawing/2010/main" val="0"/>
@@ -3426,7 +3549,7 @@
           <p:nvPr/>
         </p:nvPicPr>
         <p:blipFill>
-          <a:blip r:embed="rId12">
+          <a:blip r:embed="rId13">
             <a:extLst>
               <a:ext uri="{28A0092B-C50C-407E-A947-70E740481C1C}">
                 <a14:useLocalDpi xmlns:a14="http://schemas.microsoft.com/office/drawing/2010/main" val="0"/>
@@ -3462,7 +3585,7 @@
           <p:nvPr/>
         </p:nvPicPr>
         <p:blipFill>
-          <a:blip r:embed="rId12">
+          <a:blip r:embed="rId13">
             <a:extLst>
               <a:ext uri="{28A0092B-C50C-407E-A947-70E740481C1C}">
                 <a14:useLocalDpi xmlns:a14="http://schemas.microsoft.com/office/drawing/2010/main" val="0"/>
@@ -3498,7 +3621,7 @@
           <p:nvPr/>
         </p:nvPicPr>
         <p:blipFill>
-          <a:blip r:embed="rId12">
+          <a:blip r:embed="rId13">
             <a:extLst>
               <a:ext uri="{28A0092B-C50C-407E-A947-70E740481C1C}">
                 <a14:useLocalDpi xmlns:a14="http://schemas.microsoft.com/office/drawing/2010/main" val="0"/>
@@ -3513,6 +3636,339 @@
           <a:xfrm>
             <a:off x="35444430" y="8445187"/>
             <a:ext cx="185147" cy="185147"/>
+          </a:xfrm>
+          <a:prstGeom prst="rect">
+            <a:avLst/>
+          </a:prstGeom>
+        </p:spPr>
+      </p:pic>
+      <mc:AlternateContent xmlns:mc="http://schemas.openxmlformats.org/markup-compatibility/2006">
+        <mc:Choice xmlns:p14="http://schemas.microsoft.com/office/powerpoint/2010/main" Requires="p14">
+          <p:contentPart p14:bwMode="auto" r:id="rId14">
+            <p14:nvContentPartPr>
+              <p14:cNvPr id="15" name="Tinta 14">
+                <a:extLst>
+                  <a:ext uri="{FF2B5EF4-FFF2-40B4-BE49-F238E27FC236}">
+                    <a16:creationId xmlns:a16="http://schemas.microsoft.com/office/drawing/2014/main" id="{850D7D04-8963-742D-B32D-6CC2F97C3AA6}"/>
+                  </a:ext>
+                </a:extLst>
+              </p14:cNvPr>
+              <p14:cNvContentPartPr/>
+              <p14:nvPr/>
+            </p14:nvContentPartPr>
+            <p14:xfrm>
+              <a:off x="32917433" y="8399363"/>
+              <a:ext cx="411480" cy="87840"/>
+            </p14:xfrm>
+          </p:contentPart>
+        </mc:Choice>
+        <mc:Fallback>
+          <p:pic>
+            <p:nvPicPr>
+              <p:cNvPr id="15" name="Tinta 14">
+                <a:extLst>
+                  <a:ext uri="{FF2B5EF4-FFF2-40B4-BE49-F238E27FC236}">
+                    <a16:creationId xmlns:a16="http://schemas.microsoft.com/office/drawing/2014/main" id="{850D7D04-8963-742D-B32D-6CC2F97C3AA6}"/>
+                  </a:ext>
+                </a:extLst>
+              </p:cNvPr>
+              <p:cNvPicPr/>
+              <p:nvPr/>
+            </p:nvPicPr>
+            <p:blipFill>
+              <a:blip r:embed="rId15"/>
+              <a:stretch>
+                <a:fillRect/>
+              </a:stretch>
+            </p:blipFill>
+            <p:spPr>
+              <a:xfrm>
+                <a:off x="32911313" y="8393243"/>
+                <a:ext cx="423720" cy="100080"/>
+              </a:xfrm>
+              <a:prstGeom prst="rect">
+                <a:avLst/>
+              </a:prstGeom>
+            </p:spPr>
+          </p:pic>
+        </mc:Fallback>
+      </mc:AlternateContent>
+      <p:pic>
+        <p:nvPicPr>
+          <p:cNvPr id="5" name="Imagem 4" descr="Uma imagem com Tipo de letra, file, captura de ecrã, símbolo&#10;&#10;Descrição gerada automaticamente">
+            <a:extLst>
+              <a:ext uri="{FF2B5EF4-FFF2-40B4-BE49-F238E27FC236}">
+                <a16:creationId xmlns:a16="http://schemas.microsoft.com/office/drawing/2014/main" id="{AAAE4124-06C5-7CC7-9D04-43D34DB06B9B}"/>
+              </a:ext>
+            </a:extLst>
+          </p:cNvPr>
+          <p:cNvPicPr>
+            <a:picLocks noChangeAspect="1"/>
+          </p:cNvPicPr>
+          <p:nvPr/>
+        </p:nvPicPr>
+        <p:blipFill>
+          <a:blip r:embed="rId16">
+            <a:extLst>
+              <a:ext uri="{28A0092B-C50C-407E-A947-70E740481C1C}">
+                <a14:useLocalDpi xmlns:a14="http://schemas.microsoft.com/office/drawing/2010/main" val="0"/>
+              </a:ext>
+            </a:extLst>
+          </a:blip>
+          <a:stretch>
+            <a:fillRect/>
+          </a:stretch>
+        </p:blipFill>
+        <p:spPr>
+          <a:xfrm>
+            <a:off x="32810321" y="8416347"/>
+            <a:ext cx="217805" cy="145203"/>
+          </a:xfrm>
+          <a:prstGeom prst="rect">
+            <a:avLst/>
+          </a:prstGeom>
+        </p:spPr>
+      </p:pic>
+      <mc:AlternateContent xmlns:mc="http://schemas.openxmlformats.org/markup-compatibility/2006">
+        <mc:Choice xmlns:p14="http://schemas.microsoft.com/office/powerpoint/2010/main" Requires="p14">
+          <p:contentPart p14:bwMode="auto" r:id="rId17">
+            <p14:nvContentPartPr>
+              <p14:cNvPr id="18" name="Tinta 17">
+                <a:extLst>
+                  <a:ext uri="{FF2B5EF4-FFF2-40B4-BE49-F238E27FC236}">
+                    <a16:creationId xmlns:a16="http://schemas.microsoft.com/office/drawing/2014/main" id="{D0B66D86-54F5-7F0B-9FB8-2FCF9AE8B0E0}"/>
+                  </a:ext>
+                </a:extLst>
+              </p14:cNvPr>
+              <p14:cNvContentPartPr/>
+              <p14:nvPr/>
+            </p14:nvContentPartPr>
+            <p14:xfrm>
+              <a:off x="33315953" y="8397563"/>
+              <a:ext cx="826920" cy="43560"/>
+            </p14:xfrm>
+          </p:contentPart>
+        </mc:Choice>
+        <mc:Fallback>
+          <p:pic>
+            <p:nvPicPr>
+              <p:cNvPr id="18" name="Tinta 17">
+                <a:extLst>
+                  <a:ext uri="{FF2B5EF4-FFF2-40B4-BE49-F238E27FC236}">
+                    <a16:creationId xmlns:a16="http://schemas.microsoft.com/office/drawing/2014/main" id="{D0B66D86-54F5-7F0B-9FB8-2FCF9AE8B0E0}"/>
+                  </a:ext>
+                </a:extLst>
+              </p:cNvPr>
+              <p:cNvPicPr/>
+              <p:nvPr/>
+            </p:nvPicPr>
+            <p:blipFill>
+              <a:blip r:embed="rId18"/>
+              <a:stretch>
+                <a:fillRect/>
+              </a:stretch>
+            </p:blipFill>
+            <p:spPr>
+              <a:xfrm>
+                <a:off x="33309833" y="8391443"/>
+                <a:ext cx="839160" cy="55800"/>
+              </a:xfrm>
+              <a:prstGeom prst="rect">
+                <a:avLst/>
+              </a:prstGeom>
+            </p:spPr>
+          </p:pic>
+        </mc:Fallback>
+      </mc:AlternateContent>
+      <mc:AlternateContent xmlns:mc="http://schemas.openxmlformats.org/markup-compatibility/2006">
+        <mc:Choice xmlns:p14="http://schemas.microsoft.com/office/powerpoint/2010/main" Requires="p14">
+          <p:contentPart p14:bwMode="auto" r:id="rId19">
+            <p14:nvContentPartPr>
+              <p14:cNvPr id="22" name="Tinta 21">
+                <a:extLst>
+                  <a:ext uri="{FF2B5EF4-FFF2-40B4-BE49-F238E27FC236}">
+                    <a16:creationId xmlns:a16="http://schemas.microsoft.com/office/drawing/2014/main" id="{21204EAB-6F95-4C59-F832-85844270BEFF}"/>
+                  </a:ext>
+                </a:extLst>
+              </p14:cNvPr>
+              <p14:cNvContentPartPr/>
+              <p14:nvPr/>
+            </p14:nvContentPartPr>
+            <p14:xfrm>
+              <a:off x="33317033" y="8395403"/>
+              <a:ext cx="735480" cy="312480"/>
+            </p14:xfrm>
+          </p:contentPart>
+        </mc:Choice>
+        <mc:Fallback>
+          <p:pic>
+            <p:nvPicPr>
+              <p:cNvPr id="22" name="Tinta 21">
+                <a:extLst>
+                  <a:ext uri="{FF2B5EF4-FFF2-40B4-BE49-F238E27FC236}">
+                    <a16:creationId xmlns:a16="http://schemas.microsoft.com/office/drawing/2014/main" id="{21204EAB-6F95-4C59-F832-85844270BEFF}"/>
+                  </a:ext>
+                </a:extLst>
+              </p:cNvPr>
+              <p:cNvPicPr/>
+              <p:nvPr/>
+            </p:nvPicPr>
+            <p:blipFill>
+              <a:blip r:embed="rId20"/>
+              <a:stretch>
+                <a:fillRect/>
+              </a:stretch>
+            </p:blipFill>
+            <p:spPr>
+              <a:xfrm>
+                <a:off x="33310913" y="8389283"/>
+                <a:ext cx="747720" cy="324720"/>
+              </a:xfrm>
+              <a:prstGeom prst="rect">
+                <a:avLst/>
+              </a:prstGeom>
+            </p:spPr>
+          </p:pic>
+        </mc:Fallback>
+      </mc:AlternateContent>
+      <p:pic>
+        <p:nvPicPr>
+          <p:cNvPr id="9" name="Imagem 8" descr="Uma imagem com Tipo de letra, file, captura de ecrã, símbolo&#10;&#10;Descrição gerada automaticamente">
+            <a:extLst>
+              <a:ext uri="{FF2B5EF4-FFF2-40B4-BE49-F238E27FC236}">
+                <a16:creationId xmlns:a16="http://schemas.microsoft.com/office/drawing/2014/main" id="{82539241-08EE-D857-0DE1-322196C62504}"/>
+              </a:ext>
+            </a:extLst>
+          </p:cNvPr>
+          <p:cNvPicPr>
+            <a:picLocks noChangeAspect="1"/>
+          </p:cNvPicPr>
+          <p:nvPr/>
+        </p:nvPicPr>
+        <p:blipFill>
+          <a:blip r:embed="rId21">
+            <a:extLst>
+              <a:ext uri="{28A0092B-C50C-407E-A947-70E740481C1C}">
+                <a14:useLocalDpi xmlns:a14="http://schemas.microsoft.com/office/drawing/2010/main" val="0"/>
+              </a:ext>
+            </a:extLst>
+          </a:blip>
+          <a:stretch>
+            <a:fillRect/>
+          </a:stretch>
+        </p:blipFill>
+        <p:spPr>
+          <a:xfrm>
+            <a:off x="34027585" y="8372585"/>
+            <a:ext cx="217805" cy="145203"/>
+          </a:xfrm>
+          <a:prstGeom prst="rect">
+            <a:avLst/>
+          </a:prstGeom>
+        </p:spPr>
+      </p:pic>
+      <p:pic>
+        <p:nvPicPr>
+          <p:cNvPr id="17" name="Imagem 16" descr="Uma imagem com Tipo de letra, file, captura de ecrã, texto&#10;&#10;Descrição gerada automaticamente">
+            <a:extLst>
+              <a:ext uri="{FF2B5EF4-FFF2-40B4-BE49-F238E27FC236}">
+                <a16:creationId xmlns:a16="http://schemas.microsoft.com/office/drawing/2014/main" id="{15630099-76B4-3F67-584D-80958577ECB5}"/>
+              </a:ext>
+            </a:extLst>
+          </p:cNvPr>
+          <p:cNvPicPr>
+            <a:picLocks noChangeAspect="1"/>
+          </p:cNvPicPr>
+          <p:nvPr/>
+        </p:nvPicPr>
+        <p:blipFill>
+          <a:blip r:embed="rId22">
+            <a:extLst>
+              <a:ext uri="{28A0092B-C50C-407E-A947-70E740481C1C}">
+                <a14:useLocalDpi xmlns:a14="http://schemas.microsoft.com/office/drawing/2010/main" val="0"/>
+              </a:ext>
+            </a:extLst>
+          </a:blip>
+          <a:stretch>
+            <a:fillRect/>
+          </a:stretch>
+        </p:blipFill>
+        <p:spPr>
+          <a:xfrm>
+            <a:off x="33209899" y="8330464"/>
+            <a:ext cx="217805" cy="145203"/>
+          </a:xfrm>
+          <a:prstGeom prst="rect">
+            <a:avLst/>
+          </a:prstGeom>
+        </p:spPr>
+      </p:pic>
+      <p:pic>
+        <p:nvPicPr>
+          <p:cNvPr id="7" name="Imagem 6" descr="Uma imagem com Tipo de letra, captura de ecrã, file, texto&#10;&#10;Descrição gerada automaticamente">
+            <a:extLst>
+              <a:ext uri="{FF2B5EF4-FFF2-40B4-BE49-F238E27FC236}">
+                <a16:creationId xmlns:a16="http://schemas.microsoft.com/office/drawing/2014/main" id="{8C412808-89AB-74D1-9C94-D2342ECBC98B}"/>
+              </a:ext>
+            </a:extLst>
+          </p:cNvPr>
+          <p:cNvPicPr>
+            <a:picLocks noChangeAspect="1"/>
+          </p:cNvPicPr>
+          <p:nvPr/>
+        </p:nvPicPr>
+        <p:blipFill>
+          <a:blip r:embed="rId23">
+            <a:extLst>
+              <a:ext uri="{28A0092B-C50C-407E-A947-70E740481C1C}">
+                <a14:useLocalDpi xmlns:a14="http://schemas.microsoft.com/office/drawing/2010/main" val="0"/>
+              </a:ext>
+            </a:extLst>
+          </a:blip>
+          <a:stretch>
+            <a:fillRect/>
+          </a:stretch>
+        </p:blipFill>
+        <p:spPr>
+          <a:xfrm>
+            <a:off x="34541196" y="8801592"/>
+            <a:ext cx="217805" cy="145203"/>
+          </a:xfrm>
+          <a:prstGeom prst="rect">
+            <a:avLst/>
+          </a:prstGeom>
+        </p:spPr>
+      </p:pic>
+      <p:pic>
+        <p:nvPicPr>
+          <p:cNvPr id="3" name="Imagem 2" descr="Uma imagem com Tipo de letra, file, captura de ecrã, texto&#10;&#10;Descrição gerada automaticamente">
+            <a:extLst>
+              <a:ext uri="{FF2B5EF4-FFF2-40B4-BE49-F238E27FC236}">
+                <a16:creationId xmlns:a16="http://schemas.microsoft.com/office/drawing/2014/main" id="{9D4C5769-7A92-C8FB-39C7-430D0A86844D}"/>
+              </a:ext>
+            </a:extLst>
+          </p:cNvPr>
+          <p:cNvPicPr>
+            <a:picLocks noChangeAspect="1"/>
+          </p:cNvPicPr>
+          <p:nvPr/>
+        </p:nvPicPr>
+        <p:blipFill>
+          <a:blip r:embed="rId24">
+            <a:extLst>
+              <a:ext uri="{28A0092B-C50C-407E-A947-70E740481C1C}">
+                <a14:useLocalDpi xmlns:a14="http://schemas.microsoft.com/office/drawing/2010/main" val="0"/>
+              </a:ext>
+            </a:extLst>
+          </a:blip>
+          <a:stretch>
+            <a:fillRect/>
+          </a:stretch>
+        </p:blipFill>
+        <p:spPr>
+          <a:xfrm>
+            <a:off x="33986490" y="8686421"/>
+            <a:ext cx="217805" cy="145203"/>
           </a:xfrm>
           <a:prstGeom prst="rect">
             <a:avLst/>

--- a/EME+/EME+.pptx
+++ b/EME+/EME+.pptx
@@ -351,7 +351,7 @@
           <a:p>
             <a:fld id="{9CB6F7C4-AD64-4671-948E-5D20A1C484C6}" type="datetimeFigureOut">
               <a:rPr lang="pt-PT" smtClean="0"/>
-              <a:t>29/07/2024</a:t>
+              <a:t>19/08/2024</a:t>
             </a:fld>
             <a:endParaRPr lang="pt-PT"/>
           </a:p>
@@ -521,7 +521,7 @@
           <a:p>
             <a:fld id="{9CB6F7C4-AD64-4671-948E-5D20A1C484C6}" type="datetimeFigureOut">
               <a:rPr lang="pt-PT" smtClean="0"/>
-              <a:t>29/07/2024</a:t>
+              <a:t>19/08/2024</a:t>
             </a:fld>
             <a:endParaRPr lang="pt-PT"/>
           </a:p>
@@ -701,7 +701,7 @@
           <a:p>
             <a:fld id="{9CB6F7C4-AD64-4671-948E-5D20A1C484C6}" type="datetimeFigureOut">
               <a:rPr lang="pt-PT" smtClean="0"/>
-              <a:t>29/07/2024</a:t>
+              <a:t>19/08/2024</a:t>
             </a:fld>
             <a:endParaRPr lang="pt-PT"/>
           </a:p>
@@ -871,7 +871,7 @@
           <a:p>
             <a:fld id="{9CB6F7C4-AD64-4671-948E-5D20A1C484C6}" type="datetimeFigureOut">
               <a:rPr lang="pt-PT" smtClean="0"/>
-              <a:t>29/07/2024</a:t>
+              <a:t>19/08/2024</a:t>
             </a:fld>
             <a:endParaRPr lang="pt-PT"/>
           </a:p>
@@ -1117,7 +1117,7 @@
           <a:p>
             <a:fld id="{9CB6F7C4-AD64-4671-948E-5D20A1C484C6}" type="datetimeFigureOut">
               <a:rPr lang="pt-PT" smtClean="0"/>
-              <a:t>29/07/2024</a:t>
+              <a:t>19/08/2024</a:t>
             </a:fld>
             <a:endParaRPr lang="pt-PT"/>
           </a:p>
@@ -1349,7 +1349,7 @@
           <a:p>
             <a:fld id="{9CB6F7C4-AD64-4671-948E-5D20A1C484C6}" type="datetimeFigureOut">
               <a:rPr lang="pt-PT" smtClean="0"/>
-              <a:t>29/07/2024</a:t>
+              <a:t>19/08/2024</a:t>
             </a:fld>
             <a:endParaRPr lang="pt-PT"/>
           </a:p>
@@ -1716,7 +1716,7 @@
           <a:p>
             <a:fld id="{9CB6F7C4-AD64-4671-948E-5D20A1C484C6}" type="datetimeFigureOut">
               <a:rPr lang="pt-PT" smtClean="0"/>
-              <a:t>29/07/2024</a:t>
+              <a:t>19/08/2024</a:t>
             </a:fld>
             <a:endParaRPr lang="pt-PT"/>
           </a:p>
@@ -1834,7 +1834,7 @@
           <a:p>
             <a:fld id="{9CB6F7C4-AD64-4671-948E-5D20A1C484C6}" type="datetimeFigureOut">
               <a:rPr lang="pt-PT" smtClean="0"/>
-              <a:t>29/07/2024</a:t>
+              <a:t>19/08/2024</a:t>
             </a:fld>
             <a:endParaRPr lang="pt-PT"/>
           </a:p>
@@ -1929,7 +1929,7 @@
           <a:p>
             <a:fld id="{9CB6F7C4-AD64-4671-948E-5D20A1C484C6}" type="datetimeFigureOut">
               <a:rPr lang="pt-PT" smtClean="0"/>
-              <a:t>29/07/2024</a:t>
+              <a:t>19/08/2024</a:t>
             </a:fld>
             <a:endParaRPr lang="pt-PT"/>
           </a:p>
@@ -2206,7 +2206,7 @@
           <a:p>
             <a:fld id="{9CB6F7C4-AD64-4671-948E-5D20A1C484C6}" type="datetimeFigureOut">
               <a:rPr lang="pt-PT" smtClean="0"/>
-              <a:t>29/07/2024</a:t>
+              <a:t>19/08/2024</a:t>
             </a:fld>
             <a:endParaRPr lang="pt-PT"/>
           </a:p>
@@ -2463,7 +2463,7 @@
           <a:p>
             <a:fld id="{9CB6F7C4-AD64-4671-948E-5D20A1C484C6}" type="datetimeFigureOut">
               <a:rPr lang="pt-PT" smtClean="0"/>
-              <a:t>29/07/2024</a:t>
+              <a:t>19/08/2024</a:t>
             </a:fld>
             <a:endParaRPr lang="pt-PT"/>
           </a:p>
@@ -2676,7 +2676,7 @@
           <a:p>
             <a:fld id="{9CB6F7C4-AD64-4671-948E-5D20A1C484C6}" type="datetimeFigureOut">
               <a:rPr lang="pt-PT" smtClean="0"/>
-              <a:t>29/07/2024</a:t>
+              <a:t>19/08/2024</a:t>
             </a:fld>
             <a:endParaRPr lang="pt-PT"/>
           </a:p>
@@ -3117,8 +3117,8 @@
           </a:prstGeom>
         </p:spPr>
       </p:pic>
-      <mc:AlternateContent xmlns:mc="http://schemas.openxmlformats.org/markup-compatibility/2006">
-        <mc:Choice xmlns:p14="http://schemas.microsoft.com/office/powerpoint/2010/main" Requires="p14">
+      <mc:AlternateContent xmlns:mc="http://schemas.openxmlformats.org/markup-compatibility/2006" xmlns:p14="http://schemas.microsoft.com/office/powerpoint/2010/main">
+        <mc:Choice Requires="p14">
           <p:contentPart p14:bwMode="auto" r:id="rId3">
             <p14:nvContentPartPr>
               <p14:cNvPr id="24" name="Tinta 23">
@@ -3137,7 +3137,7 @@
             </p14:xfrm>
           </p:contentPart>
         </mc:Choice>
-        <mc:Fallback>
+        <mc:Fallback xmlns="">
           <p:pic>
             <p:nvPicPr>
               <p:cNvPr id="24" name="Tinta 23">
@@ -3294,7 +3294,7 @@
         </p:nvPicPr>
         <p:blipFill>
           <a:blip r:embed="rId8">
-            <a:alphaModFix amt="50000"/>
+            <a:alphaModFix/>
             <a:extLst>
               <a:ext uri="{28A0092B-C50C-407E-A947-70E740481C1C}">
                 <a14:useLocalDpi xmlns:a14="http://schemas.microsoft.com/office/drawing/2010/main" val="0"/>
@@ -3331,7 +3331,7 @@
         </p:nvPicPr>
         <p:blipFill>
           <a:blip r:embed="rId9">
-            <a:alphaModFix amt="50000"/>
+            <a:alphaModFix/>
             <a:extLst>
               <a:ext uri="{28A0092B-C50C-407E-A947-70E740481C1C}">
                 <a14:useLocalDpi xmlns:a14="http://schemas.microsoft.com/office/drawing/2010/main" val="0"/>
@@ -3642,8 +3642,8 @@
           </a:prstGeom>
         </p:spPr>
       </p:pic>
-      <mc:AlternateContent xmlns:mc="http://schemas.openxmlformats.org/markup-compatibility/2006">
-        <mc:Choice xmlns:p14="http://schemas.microsoft.com/office/powerpoint/2010/main" Requires="p14">
+      <mc:AlternateContent xmlns:mc="http://schemas.openxmlformats.org/markup-compatibility/2006" xmlns:p14="http://schemas.microsoft.com/office/powerpoint/2010/main">
+        <mc:Choice Requires="p14">
           <p:contentPart p14:bwMode="auto" r:id="rId14">
             <p14:nvContentPartPr>
               <p14:cNvPr id="15" name="Tinta 14">
@@ -3662,7 +3662,7 @@
             </p14:xfrm>
           </p:contentPart>
         </mc:Choice>
-        <mc:Fallback>
+        <mc:Fallback xmlns="">
           <p:pic>
             <p:nvPicPr>
               <p:cNvPr id="15" name="Tinta 14">
@@ -3729,8 +3729,8 @@
           </a:prstGeom>
         </p:spPr>
       </p:pic>
-      <mc:AlternateContent xmlns:mc="http://schemas.openxmlformats.org/markup-compatibility/2006">
-        <mc:Choice xmlns:p14="http://schemas.microsoft.com/office/powerpoint/2010/main" Requires="p14">
+      <mc:AlternateContent xmlns:mc="http://schemas.openxmlformats.org/markup-compatibility/2006" xmlns:p14="http://schemas.microsoft.com/office/powerpoint/2010/main">
+        <mc:Choice Requires="p14">
           <p:contentPart p14:bwMode="auto" r:id="rId17">
             <p14:nvContentPartPr>
               <p14:cNvPr id="18" name="Tinta 17">
@@ -3749,7 +3749,7 @@
             </p14:xfrm>
           </p:contentPart>
         </mc:Choice>
-        <mc:Fallback>
+        <mc:Fallback xmlns="">
           <p:pic>
             <p:nvPicPr>
               <p:cNvPr id="18" name="Tinta 17">
@@ -3780,8 +3780,8 @@
           </p:pic>
         </mc:Fallback>
       </mc:AlternateContent>
-      <mc:AlternateContent xmlns:mc="http://schemas.openxmlformats.org/markup-compatibility/2006">
-        <mc:Choice xmlns:p14="http://schemas.microsoft.com/office/powerpoint/2010/main" Requires="p14">
+      <mc:AlternateContent xmlns:mc="http://schemas.openxmlformats.org/markup-compatibility/2006" xmlns:p14="http://schemas.microsoft.com/office/powerpoint/2010/main">
+        <mc:Choice Requires="p14">
           <p:contentPart p14:bwMode="auto" r:id="rId19">
             <p14:nvContentPartPr>
               <p14:cNvPr id="22" name="Tinta 21">
@@ -3800,7 +3800,7 @@
             </p14:xfrm>
           </p:contentPart>
         </mc:Choice>
-        <mc:Fallback>
+        <mc:Fallback xmlns="">
           <p:pic>
             <p:nvPicPr>
               <p:cNvPr id="22" name="Tinta 21">
